--- a/lessons/Presentation-1-2-3-Axioms-and-Consequences.pptx
+++ b/lessons/Presentation-1-2-3-Axioms-and-Consequences.pptx
@@ -233,7 +233,7 @@
           <a:p>
             <a:fld id="{6C97C45B-EE9E-430A-97B4-EA1003D56253}" type="datetimeFigureOut">
               <a:rPr lang="en-US" smtClean="0"/>
-              <a:t>2/27/2020</a:t>
+              <a:t>2/29/2020</a:t>
             </a:fld>
             <a:endParaRPr lang="en-US"/>
           </a:p>
@@ -410,7 +410,7 @@
           <a:p>
             <a:fld id="{9418EEB3-6E95-4294-BCBD-343443EE35B9}" type="datetimeFigureOut">
               <a:rPr lang="en-US" smtClean="0"/>
-              <a:t>2/27/2020</a:t>
+              <a:t>2/29/2020</a:t>
             </a:fld>
             <a:endParaRPr lang="en-US"/>
           </a:p>
@@ -2374,7 +2374,7 @@
           <a:p>
             <a:fld id="{20B8C0FC-AC24-409C-B650-FC1EBB24A2DD}" type="datetime1">
               <a:rPr lang="en-US" smtClean="0"/>
-              <a:t>2/27/2020</a:t>
+              <a:t>2/29/2020</a:t>
             </a:fld>
             <a:endParaRPr lang="en-US"/>
           </a:p>
@@ -2677,7 +2677,7 @@
           <a:p>
             <a:fld id="{F4429A99-A3D3-4320-8643-FA7F99F073CD}" type="datetime1">
               <a:rPr lang="en-US" smtClean="0"/>
-              <a:t>2/27/2020</a:t>
+              <a:t>2/29/2020</a:t>
             </a:fld>
             <a:endParaRPr lang="en-US"/>
           </a:p>
@@ -2869,7 +2869,7 @@
           <a:p>
             <a:fld id="{E624DDAC-3BF1-4CE6-9D35-0FE0C29DA1F8}" type="datetime1">
               <a:rPr lang="en-US" smtClean="0"/>
-              <a:t>2/27/2020</a:t>
+              <a:t>2/29/2020</a:t>
             </a:fld>
             <a:endParaRPr lang="en-US"/>
           </a:p>
@@ -3130,7 +3130,7 @@
           <a:p>
             <a:fld id="{38968246-C748-49DE-83B7-DD5C2BA4BE01}" type="datetime1">
               <a:rPr lang="en-US" smtClean="0"/>
-              <a:t>2/27/2020</a:t>
+              <a:t>2/29/2020</a:t>
             </a:fld>
             <a:endParaRPr lang="en-US"/>
           </a:p>
@@ -3554,7 +3554,7 @@
           <a:p>
             <a:fld id="{01FCCB2D-58CA-4AEC-8689-CEC60E8AD75D}" type="datetime1">
               <a:rPr lang="en-US" smtClean="0"/>
-              <a:t>2/27/2020</a:t>
+              <a:t>2/29/2020</a:t>
             </a:fld>
             <a:endParaRPr lang="en-US"/>
           </a:p>
@@ -4091,7 +4091,7 @@
           <a:p>
             <a:fld id="{82EC54DD-FCE5-4AB9-8DCD-8E5C69AAE5B0}" type="datetime1">
               <a:rPr lang="en-US" smtClean="0"/>
-              <a:t>2/27/2020</a:t>
+              <a:t>2/29/2020</a:t>
             </a:fld>
             <a:endParaRPr lang="en-US"/>
           </a:p>
@@ -4955,7 +4955,7 @@
           <a:p>
             <a:fld id="{4EFDF53E-4A48-4F9C-84B9-4D567765CD32}" type="datetime1">
               <a:rPr lang="en-US" smtClean="0"/>
-              <a:t>2/27/2020</a:t>
+              <a:t>2/29/2020</a:t>
             </a:fld>
             <a:endParaRPr lang="en-US"/>
           </a:p>
@@ -5125,7 +5125,7 @@
           <a:p>
             <a:fld id="{CDA1A237-C720-43D1-A133-1C8FD63D16D7}" type="datetime1">
               <a:rPr lang="en-US" smtClean="0"/>
-              <a:t>2/27/2020</a:t>
+              <a:t>2/29/2020</a:t>
             </a:fld>
             <a:endParaRPr lang="en-US"/>
           </a:p>
@@ -5309,7 +5309,7 @@
           <a:p>
             <a:fld id="{6B0D6911-4A8F-48D3-8B29-8E7EE64D5590}" type="datetime1">
               <a:rPr lang="en-US" smtClean="0"/>
-              <a:t>2/27/2020</a:t>
+              <a:t>2/29/2020</a:t>
             </a:fld>
             <a:endParaRPr lang="en-US"/>
           </a:p>
@@ -5479,7 +5479,7 @@
           <a:p>
             <a:fld id="{D7F582EB-1DEF-41D5-88A7-D5384EF0928B}" type="datetime1">
               <a:rPr lang="en-US" smtClean="0"/>
-              <a:t>2/27/2020</a:t>
+              <a:t>2/29/2020</a:t>
             </a:fld>
             <a:endParaRPr lang="en-US"/>
           </a:p>
@@ -5723,7 +5723,7 @@
           <a:p>
             <a:fld id="{71A567DF-D947-4E81-8E9C-7E122B98996D}" type="datetime1">
               <a:rPr lang="en-US" smtClean="0"/>
-              <a:t>2/27/2020</a:t>
+              <a:t>2/29/2020</a:t>
             </a:fld>
             <a:endParaRPr lang="en-US"/>
           </a:p>
@@ -5959,7 +5959,7 @@
           <a:p>
             <a:fld id="{154E6867-4A80-4FDC-AE16-693239537245}" type="datetime1">
               <a:rPr lang="en-US" smtClean="0"/>
-              <a:t>2/27/2020</a:t>
+              <a:t>2/29/2020</a:t>
             </a:fld>
             <a:endParaRPr lang="en-US"/>
           </a:p>
@@ -6425,7 +6425,7 @@
           <a:p>
             <a:fld id="{2D9F58DC-2E2F-4978-B94F-8F30B3D153AC}" type="datetime1">
               <a:rPr lang="en-US" smtClean="0"/>
-              <a:t>2/27/2020</a:t>
+              <a:t>2/29/2020</a:t>
             </a:fld>
             <a:endParaRPr lang="en-US"/>
           </a:p>
@@ -6543,7 +6543,7 @@
           <a:p>
             <a:fld id="{D7398EDB-2E39-4341-93F2-E8CC9041DD01}" type="datetime1">
               <a:rPr lang="en-US" smtClean="0"/>
-              <a:t>2/27/2020</a:t>
+              <a:t>2/29/2020</a:t>
             </a:fld>
             <a:endParaRPr lang="en-US"/>
           </a:p>
@@ -6638,7 +6638,7 @@
           <a:p>
             <a:fld id="{B7C1A445-4647-4EBD-B74F-2A768D05107F}" type="datetime1">
               <a:rPr lang="en-US" smtClean="0"/>
-              <a:t>2/27/2020</a:t>
+              <a:t>2/29/2020</a:t>
             </a:fld>
             <a:endParaRPr lang="en-US"/>
           </a:p>
@@ -6893,7 +6893,7 @@
           <a:p>
             <a:fld id="{5621FE62-799A-4010-853A-5DC70F8FCC13}" type="datetime1">
               <a:rPr lang="en-US" smtClean="0"/>
-              <a:t>2/27/2020</a:t>
+              <a:t>2/29/2020</a:t>
             </a:fld>
             <a:endParaRPr lang="en-US"/>
           </a:p>
@@ -7193,7 +7193,7 @@
           <a:p>
             <a:fld id="{4238DABB-EFB4-4717-B9D5-F6AFD6D65745}" type="datetime1">
               <a:rPr lang="en-US" smtClean="0"/>
-              <a:t>2/27/2020</a:t>
+              <a:t>2/29/2020</a:t>
             </a:fld>
             <a:endParaRPr lang="en-US"/>
           </a:p>
@@ -7479,7 +7479,7 @@
           <a:p>
             <a:fld id="{9ED8BB69-9541-4E9D-B5C6-A318E2F70882}" type="datetime1">
               <a:rPr lang="en-US" smtClean="0"/>
-              <a:t>2/27/2020</a:t>
+              <a:t>2/29/2020</a:t>
             </a:fld>
             <a:endParaRPr lang="en-US"/>
           </a:p>
@@ -8374,8 +8374,8 @@
           </a:p>
         </p:txBody>
       </p:sp>
-      <mc:AlternateContent xmlns:mc="http://schemas.openxmlformats.org/markup-compatibility/2006">
-        <mc:Choice xmlns:a14="http://schemas.microsoft.com/office/drawing/2010/main" Requires="a14">
+      <mc:AlternateContent xmlns:mc="http://schemas.openxmlformats.org/markup-compatibility/2006" xmlns:a14="http://schemas.microsoft.com/office/drawing/2010/main">
+        <mc:Choice Requires="a14">
           <p:sp>
             <p:nvSpPr>
               <p:cNvPr id="41" name="Rectangle 40">
@@ -8976,7 +8976,7 @@
             </p:txBody>
           </p:sp>
         </mc:Choice>
-        <mc:Fallback>
+        <mc:Fallback xmlns="">
           <p:sp>
             <p:nvSpPr>
               <p:cNvPr id="41" name="Rectangle 40">
@@ -46176,8 +46176,8 @@
           </a:p>
         </p:txBody>
       </p:sp>
-      <mc:AlternateContent xmlns:mc="http://schemas.openxmlformats.org/markup-compatibility/2006">
-        <mc:Choice xmlns:a14="http://schemas.microsoft.com/office/drawing/2010/main" Requires="a14">
+      <mc:AlternateContent xmlns:mc="http://schemas.openxmlformats.org/markup-compatibility/2006" xmlns:a14="http://schemas.microsoft.com/office/drawing/2010/main">
+        <mc:Choice Requires="a14">
           <p:sp>
             <p:nvSpPr>
               <p:cNvPr id="41" name="Rectangle 40">
@@ -46989,7 +46989,7 @@
             </p:txBody>
           </p:sp>
         </mc:Choice>
-        <mc:Fallback>
+        <mc:Fallback xmlns="">
           <p:sp>
             <p:nvSpPr>
               <p:cNvPr id="41" name="Rectangle 40">
